--- a/documentation/Drone Posteri.pptx
+++ b/documentation/Drone Posteri.pptx
@@ -220,7 +220,7 @@
             <a:fld id="{19EC9BF0-2C59-2C46-BBD9-7948B59DC01B}" type="datetime1">
               <a:rPr lang="fi-FI" smtClean="0"/>
               <a:pPr/>
-              <a:t>2.12.2024</a:t>
+              <a:t>16.12.2024</a:t>
             </a:fld>
             <a:endParaRPr lang="fi-FI"/>
           </a:p>
@@ -388,7 +388,7 @@
             <a:fld id="{0E4AA8A8-4D46-BD40-89BF-70B4CBE4D6DF}" type="datetime1">
               <a:rPr lang="fi-FI" smtClean="0"/>
               <a:pPr/>
-              <a:t>2.12.2024</a:t>
+              <a:t>16.12.2024</a:t>
             </a:fld>
             <a:endParaRPr lang="fi-FI"/>
           </a:p>
@@ -2455,15 +2455,15 @@
             </a:r>
             <a:r>
               <a:rPr lang="fi-FI" dirty="0"/>
-              <a:t> saa pyynnön serveriltä se lähtee lentoon, käy ottamassa kuvan ristikosta ja laskeutua lähtöpisteeseen takaisin. Jonka jälkeen kuva menee algoritmin läpi serverissä ja saamme tietä nopeimman reitin ristikossa. Lopuksi serveri lähettää reitin </a:t>
+              <a:t> saa pyynnön serveriltä se lähtee lentoon, käy ottamassa valokuvan ristikosta ja laskeutua lähtöpisteeseen takaisin. Algoritmeja käyttämällä tunnistamme nopeimman reitin kuvasta. Reitti muutetaan ja palautetaan serverille </a:t>
             </a:r>
             <a:r>
               <a:rPr lang="fi-FI" dirty="0" err="1"/>
-              <a:t>GoPiGo</a:t>
+              <a:t>GoPiGO</a:t>
             </a:r>
             <a:r>
               <a:rPr lang="fi-FI" dirty="0"/>
-              <a:t> autolle.</a:t>
+              <a:t> autolle sopivassa muodossa.</a:t>
             </a:r>
           </a:p>
         </p:txBody>
@@ -2513,11 +2513,11 @@
             </a:r>
             <a:r>
               <a:rPr lang="en-US" dirty="0"/>
-              <a:t> python </a:t>
-            </a:r>
-            <a:r>
-              <a:rPr lang="fi-FI" dirty="0"/>
-              <a:t>serverin</a:t>
+              <a:t> </a:t>
+            </a:r>
+            <a:r>
+              <a:rPr lang="en-US" dirty="0" err="1"/>
+              <a:t>DJITelloPy</a:t>
             </a:r>
             <a:r>
               <a:rPr lang="en-US" dirty="0"/>
@@ -2525,15 +2525,7 @@
             </a:r>
             <a:r>
               <a:rPr lang="fi-FI" dirty="0"/>
-              <a:t>kautta </a:t>
-            </a:r>
-            <a:r>
-              <a:rPr lang="fi-FI" dirty="0" err="1"/>
-              <a:t>DJITellPy</a:t>
-            </a:r>
-            <a:r>
-              <a:rPr lang="fi-FI" dirty="0"/>
-              <a:t> kirjaston avulla (Lähde 1). Käytämme </a:t>
+              <a:t>kirjaston kautta python serveriltä kutsuen (Lähde 1). Käytämme </a:t>
             </a:r>
             <a:r>
               <a:rPr lang="fi-FI" dirty="0" err="1"/>
@@ -2541,7 +2533,15 @@
             </a:r>
             <a:r>
               <a:rPr lang="fi-FI" dirty="0"/>
-              <a:t> ala kameraa ottamaan kuvia ristikosta. Käytämme labyrintin ratkaisu algoritmia löytämään optimaalisimman reitin sen läpi. Lähetämme sen JSON tiedosto muodossa. </a:t>
+              <a:t> ala kameraa ottamaan kuvia ristikosta. Käytämme labyrintin ratkaisu algoritmia löytämään optimaalisimman reitin sen läpi. Lähetämme sen </a:t>
+            </a:r>
+            <a:r>
+              <a:rPr lang="fi-FI" dirty="0" err="1"/>
+              <a:t>string</a:t>
+            </a:r>
+            <a:r>
+              <a:rPr lang="fi-FI" dirty="0"/>
+              <a:t> listana. </a:t>
             </a:r>
             <a:r>
               <a:rPr lang="fi-FI" dirty="0" err="1"/>
@@ -2606,7 +2606,7 @@
             </a:r>
             <a:r>
               <a:rPr lang="fi-FI" dirty="0"/>
-              <a:t> ala kamera on huono, sillä se on mustavalkoinen, huono laatuinen ja näkee hyvin infrapunan joka sekoittaa muut värit kuvassa. </a:t>
+              <a:t> ala kamera on huono, sillä se on mustavalkoinen, huono laatuinen ja näkee hyvin infrapunan joka sekoittaa valon tason. </a:t>
             </a:r>
             <a:r>
               <a:rPr lang="fi-FI" dirty="0" err="1"/>
@@ -2680,30 +2680,37 @@
           </a:p>
           <a:p>
             <a:r>
-              <a:rPr lang="en-GB" dirty="0">
-                <a:effectLst/>
+              <a:rPr lang="fi-FI" dirty="0">
                 <a:latin typeface="+mj-lt"/>
               </a:rPr>
-              <a:t>The device uses an AC adapter, because the current solar panel is too small to produce enough energy by itself.</a:t>
-            </a:r>
-          </a:p>
-          <a:p>
-            <a:r>
-              <a:rPr lang="en-GB" dirty="0">
-                <a:effectLst/>
+              <a:t>Saimme projektin tavoitteet tehtyä. </a:t>
+            </a:r>
+            <a:r>
+              <a:rPr lang="fi-FI" dirty="0" err="1">
                 <a:latin typeface="+mj-lt"/>
               </a:rPr>
-              <a:t>The operating environment for the device would be outside, so it should be able to withstand at least some rain. </a:t>
-            </a:r>
-          </a:p>
-          <a:p>
-            <a:r>
-              <a:rPr lang="en-GB" dirty="0">
-                <a:effectLst/>
+              <a:t>Drone</a:t>
+            </a:r>
+            <a:r>
+              <a:rPr lang="fi-FI" dirty="0">
                 <a:latin typeface="+mj-lt"/>
               </a:rPr>
-              <a:t>An automatic solar panel could have a commercial future, but it would have to be like ten times bigger.</a:t>
-            </a:r>
+              <a:t> toimii automaattisesti, kun se saa komennon lähtöön. Projekti oli mukavan haastava, kun suurin osa ongelmista oli laitteessa eikä koodissa. Projektia voisi kehittää tulevaisuudessa isommalla </a:t>
+            </a:r>
+            <a:r>
+              <a:rPr lang="fi-FI" dirty="0" err="1">
+                <a:latin typeface="+mj-lt"/>
+              </a:rPr>
+              <a:t>dronella</a:t>
+            </a:r>
+            <a:r>
+              <a:rPr lang="fi-FI" dirty="0">
+                <a:latin typeface="+mj-lt"/>
+              </a:rPr>
+              <a:t> ja oikeilla teillä hyötykäyttöön.</a:t>
+            </a:r>
+          </a:p>
+          <a:p>
             <a:endParaRPr lang="en-US" dirty="0">
               <a:latin typeface="+mj-lt"/>
             </a:endParaRPr>
@@ -2799,6 +2806,36 @@
           <a:xfrm>
             <a:off x="502152" y="4188037"/>
             <a:ext cx="2813821" cy="2222501"/>
+          </a:xfrm>
+          <a:prstGeom prst="rect">
+            <a:avLst/>
+          </a:prstGeom>
+        </p:spPr>
+      </p:pic>
+      <p:pic>
+        <p:nvPicPr>
+          <p:cNvPr id="6" name="Kuva 5">
+            <a:extLst>
+              <a:ext uri="{FF2B5EF4-FFF2-40B4-BE49-F238E27FC236}">
+                <a16:creationId xmlns:a16="http://schemas.microsoft.com/office/drawing/2014/main" id="{2F1BE60F-FDB6-EC0A-8764-17E35D54CC85}"/>
+              </a:ext>
+            </a:extLst>
+          </p:cNvPr>
+          <p:cNvPicPr>
+            <a:picLocks noChangeAspect="1"/>
+          </p:cNvPicPr>
+          <p:nvPr/>
+        </p:nvPicPr>
+        <p:blipFill>
+          <a:blip r:embed="rId6"/>
+          <a:stretch>
+            <a:fillRect/>
+          </a:stretch>
+        </p:blipFill>
+        <p:spPr>
+          <a:xfrm>
+            <a:off x="6518801" y="2681623"/>
+            <a:ext cx="2580247" cy="2231499"/>
           </a:xfrm>
           <a:prstGeom prst="rect">
             <a:avLst/>
